--- a/CaseStudy1a.pptx
+++ b/CaseStudy1a.pptx
@@ -19731,7 +19731,23 @@
                   <a:schemeClr val="bg1"/>
                 </a:solidFill>
               </a:rPr>
-              <a:t>Too much variance across the range to conclude a “direction correlation”</a:t>
+              <a:t>Too much variance across the range to conclude a </a:t>
+            </a:r>
+            <a:r>
+              <a:rPr lang="en-US">
+                <a:solidFill>
+                  <a:schemeClr val="bg1"/>
+                </a:solidFill>
+              </a:rPr>
+              <a:t>“direct </a:t>
+            </a:r>
+            <a:r>
+              <a:rPr lang="en-US" dirty="0">
+                <a:solidFill>
+                  <a:schemeClr val="bg1"/>
+                </a:solidFill>
+              </a:rPr>
+              <a:t>correlation”</a:t>
             </a:r>
           </a:p>
           <a:p>
